--- a/Presentation/FlexBOx.pptx
+++ b/Presentation/FlexBOx.pptx
@@ -8,6 +8,8 @@
     <p:sldId id="256" r:id="rId2"/>
     <p:sldId id="257" r:id="rId3"/>
     <p:sldId id="258" r:id="rId4"/>
+    <p:sldId id="259" r:id="rId5"/>
+    <p:sldId id="260" r:id="rId6"/>
   </p:sldIdLst>
   <p:sldSz cx="12192000" cy="6858000"/>
   <p:notesSz cx="6858000" cy="9144000"/>
@@ -106,6 +108,11 @@
       </a:defRPr>
     </a:lvl9pPr>
   </p:defaultTextStyle>
+  <p:extLst>
+    <p:ext uri="{EFAFB233-063F-42B5-8137-9DF3F51BA10A}">
+      <p15:sldGuideLst xmlns:p15="http://schemas.microsoft.com/office/powerpoint/2012/main"/>
+    </p:ext>
+  </p:extLst>
 </p:presentation>
 </file>
 
@@ -279,7 +286,7 @@
             <a:fld id="{87DE6118-2437-4B30-8E3C-4D2BE6020583}" type="datetimeFigureOut">
               <a:rPr lang="en-US" dirty="0"/>
               <a:pPr/>
-              <a:t>4/17/2020</a:t>
+              <a:t>4/23/2020</a:t>
             </a:fld>
             <a:endParaRPr lang="en-US" dirty="0"/>
           </a:p>
@@ -605,7 +612,7 @@
           <a:p>
             <a:fld id="{87DE6118-2437-4B30-8E3C-4D2BE6020583}" type="datetimeFigureOut">
               <a:rPr lang="en-US" dirty="0"/>
-              <a:t>4/17/2020</a:t>
+              <a:t>4/23/2020</a:t>
             </a:fld>
             <a:endParaRPr lang="en-US" dirty="0"/>
           </a:p>
@@ -780,7 +787,7 @@
           <a:p>
             <a:fld id="{87DE6118-2437-4B30-8E3C-4D2BE6020583}" type="datetimeFigureOut">
               <a:rPr lang="en-US" dirty="0"/>
-              <a:t>4/17/2020</a:t>
+              <a:t>4/23/2020</a:t>
             </a:fld>
             <a:endParaRPr lang="en-US" dirty="0"/>
           </a:p>
@@ -945,7 +952,7 @@
           <a:p>
             <a:fld id="{87DE6118-2437-4B30-8E3C-4D2BE6020583}" type="datetimeFigureOut">
               <a:rPr lang="en-US" dirty="0"/>
-              <a:t>4/17/2020</a:t>
+              <a:t>4/23/2020</a:t>
             </a:fld>
             <a:endParaRPr lang="en-US" dirty="0"/>
           </a:p>
@@ -1218,7 +1225,7 @@
             <a:fld id="{87DE6118-2437-4B30-8E3C-4D2BE6020583}" type="datetimeFigureOut">
               <a:rPr lang="en-US" dirty="0"/>
               <a:pPr/>
-              <a:t>4/17/2020</a:t>
+              <a:t>4/23/2020</a:t>
             </a:fld>
             <a:endParaRPr lang="en-US" dirty="0"/>
           </a:p>
@@ -1608,7 +1615,7 @@
           <a:p>
             <a:fld id="{87DE6118-2437-4B30-8E3C-4D2BE6020583}" type="datetimeFigureOut">
               <a:rPr lang="en-US" dirty="0"/>
-              <a:t>4/17/2020</a:t>
+              <a:t>4/23/2020</a:t>
             </a:fld>
             <a:endParaRPr lang="en-US" dirty="0"/>
           </a:p>
@@ -2080,7 +2087,7 @@
           <a:p>
             <a:fld id="{87DE6118-2437-4B30-8E3C-4D2BE6020583}" type="datetimeFigureOut">
               <a:rPr lang="en-US" dirty="0"/>
-              <a:t>4/17/2020</a:t>
+              <a:t>4/23/2020</a:t>
             </a:fld>
             <a:endParaRPr lang="en-US" dirty="0"/>
           </a:p>
@@ -2193,7 +2200,7 @@
           <a:p>
             <a:fld id="{87DE6118-2437-4B30-8E3C-4D2BE6020583}" type="datetimeFigureOut">
               <a:rPr lang="en-US" dirty="0"/>
-              <a:t>4/17/2020</a:t>
+              <a:t>4/23/2020</a:t>
             </a:fld>
             <a:endParaRPr lang="en-US" dirty="0"/>
           </a:p>
@@ -2283,7 +2290,7 @@
           <a:p>
             <a:fld id="{87DE6118-2437-4B30-8E3C-4D2BE6020583}" type="datetimeFigureOut">
               <a:rPr lang="en-US" dirty="0"/>
-              <a:t>4/17/2020</a:t>
+              <a:t>4/23/2020</a:t>
             </a:fld>
             <a:endParaRPr lang="en-US" dirty="0"/>
           </a:p>
@@ -2625,7 +2632,7 @@
             <a:fld id="{87DE6118-2437-4B30-8E3C-4D2BE6020583}" type="datetimeFigureOut">
               <a:rPr lang="en-US" dirty="0"/>
               <a:pPr/>
-              <a:t>4/17/2020</a:t>
+              <a:t>4/23/2020</a:t>
             </a:fld>
             <a:endParaRPr lang="en-US" dirty="0"/>
           </a:p>
@@ -3010,7 +3017,7 @@
             <a:fld id="{87DE6118-2437-4B30-8E3C-4D2BE6020583}" type="datetimeFigureOut">
               <a:rPr lang="en-US" dirty="0"/>
               <a:pPr/>
-              <a:t>4/17/2020</a:t>
+              <a:t>4/23/2020</a:t>
             </a:fld>
             <a:endParaRPr lang="en-US" dirty="0"/>
           </a:p>
@@ -3285,7 +3292,7 @@
             <a:fld id="{87DE6118-2437-4B30-8E3C-4D2BE6020583}" type="datetimeFigureOut">
               <a:rPr lang="en-US" dirty="0"/>
               <a:pPr/>
-              <a:t>4/17/2020</a:t>
+              <a:t>4/23/2020</a:t>
             </a:fld>
             <a:endParaRPr lang="en-US" dirty="0"/>
           </a:p>
@@ -3966,7 +3973,15 @@
           <a:bodyPr/>
           <a:lstStyle/>
           <a:p>
-            <a:endParaRPr lang="en-US"/>
+            <a:r>
+              <a:rPr lang="en-US" dirty="0" err="1" smtClean="0"/>
+              <a:t>FlexBox</a:t>
+            </a:r>
+            <a:r>
+              <a:rPr lang="ka-GE" dirty="0" smtClean="0"/>
+              <a:t>-ის განსასაზღვრად, მშობელი კონტეინერი უნდა გახდეს ის.</a:t>
+            </a:r>
+            <a:endParaRPr lang="en-US" dirty="0"/>
           </a:p>
         </p:txBody>
       </p:sp>
@@ -3985,7 +4000,20 @@
           <a:bodyPr/>
           <a:lstStyle/>
           <a:p>
-            <a:endParaRPr lang="en-US"/>
+            <a:r>
+              <a:rPr lang="ka-GE" dirty="0" smtClean="0"/>
+              <a:t>ამისათვის ვიყენებთ </a:t>
+            </a:r>
+          </a:p>
+          <a:p>
+            <a:endParaRPr lang="ka-GE" dirty="0"/>
+          </a:p>
+          <a:p>
+            <a:r>
+              <a:rPr lang="en-US" sz="6600" dirty="0" smtClean="0"/>
+              <a:t>Display: flex;</a:t>
+            </a:r>
+            <a:endParaRPr lang="en-US" sz="6600" dirty="0"/>
           </a:p>
         </p:txBody>
       </p:sp>
@@ -3993,6 +4021,258 @@
     <p:extLst>
       <p:ext uri="{BB962C8B-B14F-4D97-AF65-F5344CB8AC3E}">
         <p14:creationId xmlns:p14="http://schemas.microsoft.com/office/powerpoint/2010/main" val="1013376270"/>
+      </p:ext>
+    </p:extLst>
+  </p:cSld>
+  <p:clrMapOvr>
+    <a:masterClrMapping/>
+  </p:clrMapOvr>
+</p:sld>
+</file>
+
+<file path=ppt/slides/slide4.xml><?xml version="1.0" encoding="utf-8"?>
+<p:sld xmlns:a="http://schemas.openxmlformats.org/drawingml/2006/main" xmlns:r="http://schemas.openxmlformats.org/officeDocument/2006/relationships" xmlns:p="http://schemas.openxmlformats.org/presentationml/2006/main">
+  <p:cSld>
+    <p:spTree>
+      <p:nvGrpSpPr>
+        <p:cNvPr id="1" name=""/>
+        <p:cNvGrpSpPr/>
+        <p:nvPr/>
+      </p:nvGrpSpPr>
+      <p:grpSpPr>
+        <a:xfrm>
+          <a:off x="0" y="0"/>
+          <a:ext cx="0" cy="0"/>
+          <a:chOff x="0" y="0"/>
+          <a:chExt cx="0" cy="0"/>
+        </a:xfrm>
+      </p:grpSpPr>
+      <p:sp>
+        <p:nvSpPr>
+          <p:cNvPr id="2" name="Title 1"/>
+          <p:cNvSpPr>
+            <a:spLocks noGrp="1"/>
+          </p:cNvSpPr>
+          <p:nvPr>
+            <p:ph type="title"/>
+          </p:nvPr>
+        </p:nvSpPr>
+        <p:spPr/>
+        <p:txBody>
+          <a:bodyPr/>
+          <a:lstStyle/>
+          <a:p>
+            <a:r>
+              <a:rPr lang="ka-GE" dirty="0" smtClean="0"/>
+              <a:t>კონტეინერის შესაძლებლობები</a:t>
+            </a:r>
+            <a:endParaRPr lang="en-US" dirty="0"/>
+          </a:p>
+        </p:txBody>
+      </p:sp>
+      <p:sp>
+        <p:nvSpPr>
+          <p:cNvPr id="3" name="Content Placeholder 2"/>
+          <p:cNvSpPr>
+            <a:spLocks noGrp="1"/>
+          </p:cNvSpPr>
+          <p:nvPr>
+            <p:ph idx="1"/>
+          </p:nvPr>
+        </p:nvSpPr>
+        <p:spPr/>
+        <p:txBody>
+          <a:bodyPr>
+            <a:normAutofit lnSpcReduction="10000"/>
+          </a:bodyPr>
+          <a:lstStyle/>
+          <a:p>
+            <a:r>
+              <a:rPr lang="en-GB" sz="2800" dirty="0" smtClean="0"/>
+              <a:t>flex-direction:  column | column-reverse| row | row-reverse</a:t>
+            </a:r>
+            <a:endParaRPr lang="en-GB" sz="2800" dirty="0"/>
+          </a:p>
+          <a:p>
+            <a:r>
+              <a:rPr lang="en-GB" sz="2800" dirty="0" smtClean="0"/>
+              <a:t>flex-wrap: wrap | </a:t>
+            </a:r>
+            <a:r>
+              <a:rPr lang="en-GB" sz="2800" dirty="0" err="1" smtClean="0"/>
+              <a:t>nowrap</a:t>
+            </a:r>
+            <a:r>
+              <a:rPr lang="en-GB" sz="2800" dirty="0" smtClean="0"/>
+              <a:t> | wrap-reverse </a:t>
+            </a:r>
+            <a:endParaRPr lang="en-GB" sz="2800" dirty="0"/>
+          </a:p>
+          <a:p>
+            <a:r>
+              <a:rPr lang="en-GB" sz="2800" dirty="0" smtClean="0"/>
+              <a:t>flex-flow: row wrap;</a:t>
+            </a:r>
+            <a:endParaRPr lang="en-GB" sz="2800" dirty="0"/>
+          </a:p>
+          <a:p>
+            <a:r>
+              <a:rPr lang="en-GB" sz="2800" dirty="0" smtClean="0"/>
+              <a:t>justify-content: </a:t>
+            </a:r>
+            <a:r>
+              <a:rPr lang="en-GB" sz="2800" dirty="0" err="1" smtClean="0"/>
+              <a:t>center</a:t>
+            </a:r>
+            <a:r>
+              <a:rPr lang="en-GB" sz="2800" dirty="0" smtClean="0"/>
+              <a:t> | flex-start | flex-end | space-around</a:t>
+            </a:r>
+          </a:p>
+          <a:p>
+            <a:pPr marL="3730752" lvl="8" indent="0">
+              <a:buNone/>
+            </a:pPr>
+            <a:r>
+              <a:rPr lang="en-GB" sz="2200" dirty="0" smtClean="0"/>
+              <a:t>|space-between</a:t>
+            </a:r>
+            <a:endParaRPr lang="en-GB" sz="2200" dirty="0"/>
+          </a:p>
+          <a:p>
+            <a:r>
+              <a:rPr lang="en-GB" sz="2800" dirty="0" smtClean="0"/>
+              <a:t>align-items: </a:t>
+            </a:r>
+            <a:r>
+              <a:rPr lang="en-GB" sz="2800" dirty="0" err="1" smtClean="0"/>
+              <a:t>center</a:t>
+            </a:r>
+            <a:r>
+              <a:rPr lang="en-GB" sz="2800" dirty="0" smtClean="0"/>
+              <a:t> | flex-start | flex-end | stretch | baseline</a:t>
+            </a:r>
+            <a:endParaRPr lang="en-GB" sz="2800" dirty="0"/>
+          </a:p>
+          <a:p>
+            <a:r>
+              <a:rPr lang="en-GB" sz="2800" dirty="0" smtClean="0"/>
+              <a:t>align-content: space-between  | space-around | stretch</a:t>
+            </a:r>
+            <a:endParaRPr lang="en-US" sz="2800" dirty="0"/>
+          </a:p>
+        </p:txBody>
+      </p:sp>
+    </p:spTree>
+    <p:extLst>
+      <p:ext uri="{BB962C8B-B14F-4D97-AF65-F5344CB8AC3E}">
+        <p14:creationId xmlns:p14="http://schemas.microsoft.com/office/powerpoint/2010/main" val="3423781564"/>
+      </p:ext>
+    </p:extLst>
+  </p:cSld>
+  <p:clrMapOvr>
+    <a:masterClrMapping/>
+  </p:clrMapOvr>
+</p:sld>
+</file>
+
+<file path=ppt/slides/slide5.xml><?xml version="1.0" encoding="utf-8"?>
+<p:sld xmlns:a="http://schemas.openxmlformats.org/drawingml/2006/main" xmlns:r="http://schemas.openxmlformats.org/officeDocument/2006/relationships" xmlns:p="http://schemas.openxmlformats.org/presentationml/2006/main">
+  <p:cSld>
+    <p:spTree>
+      <p:nvGrpSpPr>
+        <p:cNvPr id="1" name=""/>
+        <p:cNvGrpSpPr/>
+        <p:nvPr/>
+      </p:nvGrpSpPr>
+      <p:grpSpPr>
+        <a:xfrm>
+          <a:off x="0" y="0"/>
+          <a:ext cx="0" cy="0"/>
+          <a:chOff x="0" y="0"/>
+          <a:chExt cx="0" cy="0"/>
+        </a:xfrm>
+      </p:grpSpPr>
+      <p:sp>
+        <p:nvSpPr>
+          <p:cNvPr id="2" name="Title 1"/>
+          <p:cNvSpPr>
+            <a:spLocks noGrp="1"/>
+          </p:cNvSpPr>
+          <p:nvPr>
+            <p:ph type="title"/>
+          </p:nvPr>
+        </p:nvSpPr>
+        <p:spPr/>
+        <p:txBody>
+          <a:bodyPr/>
+          <a:lstStyle/>
+          <a:p>
+            <a:r>
+              <a:rPr lang="ka-GE" dirty="0" smtClean="0"/>
+              <a:t>კონტეინერის შვილობილი ელემენტების შესაძლებლობები</a:t>
+            </a:r>
+            <a:endParaRPr lang="en-US" dirty="0"/>
+          </a:p>
+        </p:txBody>
+      </p:sp>
+      <p:sp>
+        <p:nvSpPr>
+          <p:cNvPr id="3" name="Content Placeholder 2"/>
+          <p:cNvSpPr>
+            <a:spLocks noGrp="1"/>
+          </p:cNvSpPr>
+          <p:nvPr>
+            <p:ph idx="1"/>
+          </p:nvPr>
+        </p:nvSpPr>
+        <p:spPr/>
+        <p:txBody>
+          <a:bodyPr/>
+          <a:lstStyle/>
+          <a:p>
+            <a:r>
+              <a:rPr lang="en-GB" dirty="0"/>
+              <a:t>order</a:t>
+            </a:r>
+          </a:p>
+          <a:p>
+            <a:r>
+              <a:rPr lang="en-GB" dirty="0"/>
+              <a:t>flex-grow</a:t>
+            </a:r>
+          </a:p>
+          <a:p>
+            <a:r>
+              <a:rPr lang="en-GB" dirty="0"/>
+              <a:t>flex-shrink</a:t>
+            </a:r>
+          </a:p>
+          <a:p>
+            <a:r>
+              <a:rPr lang="en-GB" dirty="0"/>
+              <a:t>flex-basis</a:t>
+            </a:r>
+          </a:p>
+          <a:p>
+            <a:r>
+              <a:rPr lang="en-GB" dirty="0"/>
+              <a:t>flex</a:t>
+            </a:r>
+          </a:p>
+          <a:p>
+            <a:r>
+              <a:rPr lang="en-GB" dirty="0"/>
+              <a:t>align-self</a:t>
+            </a:r>
+            <a:endParaRPr lang="en-US" dirty="0"/>
+          </a:p>
+        </p:txBody>
+      </p:sp>
+    </p:spTree>
+    <p:extLst>
+      <p:ext uri="{BB962C8B-B14F-4D97-AF65-F5344CB8AC3E}">
+        <p14:creationId xmlns:p14="http://schemas.microsoft.com/office/powerpoint/2010/main" val="554428684"/>
       </p:ext>
     </p:extLst>
   </p:cSld>
